--- a/docs/Ideas and Tasks.pptx
+++ b/docs/Ideas and Tasks.pptx
@@ -309,7 +309,7 @@
             <a:fld id="{1D8BD707-D9CF-40AE-B4C6-C98DA3205C09}" type="datetimeFigureOut">
               <a:rPr lang="en-US" smtClean="0"/>
               <a:pPr/>
-              <a:t>2/12/2014</a:t>
+              <a:t>2/13/2014</a:t>
             </a:fld>
             <a:endParaRPr lang="en-US"/>
           </a:p>
@@ -516,7 +516,7 @@
             <a:fld id="{1D8BD707-D9CF-40AE-B4C6-C98DA3205C09}" type="datetimeFigureOut">
               <a:rPr lang="en-US" smtClean="0"/>
               <a:pPr/>
-              <a:t>2/12/2014</a:t>
+              <a:t>2/13/2014</a:t>
             </a:fld>
             <a:endParaRPr lang="en-US"/>
           </a:p>
@@ -723,7 +723,7 @@
             <a:fld id="{1D8BD707-D9CF-40AE-B4C6-C98DA3205C09}" type="datetimeFigureOut">
               <a:rPr lang="en-US" smtClean="0"/>
               <a:pPr/>
-              <a:t>2/12/2014</a:t>
+              <a:t>2/13/2014</a:t>
             </a:fld>
             <a:endParaRPr lang="en-US"/>
           </a:p>
@@ -930,7 +930,7 @@
             <a:fld id="{1D8BD707-D9CF-40AE-B4C6-C98DA3205C09}" type="datetimeFigureOut">
               <a:rPr lang="en-US" smtClean="0"/>
               <a:pPr/>
-              <a:t>2/12/2014</a:t>
+              <a:t>2/13/2014</a:t>
             </a:fld>
             <a:endParaRPr lang="en-US"/>
           </a:p>
@@ -1203,7 +1203,7 @@
             <a:fld id="{1D8BD707-D9CF-40AE-B4C6-C98DA3205C09}" type="datetimeFigureOut">
               <a:rPr lang="en-US" smtClean="0"/>
               <a:pPr/>
-              <a:t>2/12/2014</a:t>
+              <a:t>2/13/2014</a:t>
             </a:fld>
             <a:endParaRPr lang="en-US"/>
           </a:p>
@@ -1526,7 +1526,7 @@
             <a:fld id="{1D8BD707-D9CF-40AE-B4C6-C98DA3205C09}" type="datetimeFigureOut">
               <a:rPr lang="en-US" smtClean="0"/>
               <a:pPr/>
-              <a:t>2/12/2014</a:t>
+              <a:t>2/13/2014</a:t>
             </a:fld>
             <a:endParaRPr lang="en-US"/>
           </a:p>
@@ -1989,7 +1989,7 @@
             <a:fld id="{1D8BD707-D9CF-40AE-B4C6-C98DA3205C09}" type="datetimeFigureOut">
               <a:rPr lang="en-US" smtClean="0"/>
               <a:pPr/>
-              <a:t>2/12/2014</a:t>
+              <a:t>2/13/2014</a:t>
             </a:fld>
             <a:endParaRPr lang="en-US"/>
           </a:p>
@@ -2136,7 +2136,7 @@
             <a:fld id="{1D8BD707-D9CF-40AE-B4C6-C98DA3205C09}" type="datetimeFigureOut">
               <a:rPr lang="en-US" smtClean="0"/>
               <a:pPr/>
-              <a:t>2/12/2014</a:t>
+              <a:t>2/13/2014</a:t>
             </a:fld>
             <a:endParaRPr lang="en-US"/>
           </a:p>
@@ -2252,7 +2252,7 @@
             <a:fld id="{1D8BD707-D9CF-40AE-B4C6-C98DA3205C09}" type="datetimeFigureOut">
               <a:rPr lang="en-US" smtClean="0"/>
               <a:pPr/>
-              <a:t>2/12/2014</a:t>
+              <a:t>2/13/2014</a:t>
             </a:fld>
             <a:endParaRPr lang="en-US"/>
           </a:p>
@@ -2559,7 +2559,7 @@
             <a:fld id="{1D8BD707-D9CF-40AE-B4C6-C98DA3205C09}" type="datetimeFigureOut">
               <a:rPr lang="en-US" smtClean="0"/>
               <a:pPr/>
-              <a:t>2/12/2014</a:t>
+              <a:t>2/13/2014</a:t>
             </a:fld>
             <a:endParaRPr lang="en-US"/>
           </a:p>
@@ -2842,7 +2842,7 @@
             <a:fld id="{1D8BD707-D9CF-40AE-B4C6-C98DA3205C09}" type="datetimeFigureOut">
               <a:rPr lang="en-US" smtClean="0"/>
               <a:pPr/>
-              <a:t>2/12/2014</a:t>
+              <a:t>2/13/2014</a:t>
             </a:fld>
             <a:endParaRPr lang="en-US"/>
           </a:p>
@@ -4784,7 +4784,7 @@
       </p:sp>
       <p:sp>
         <p:nvSpPr>
-          <p:cNvPr id="4" name="Content Placeholder 3"/>
+          <p:cNvPr id="3" name="Content Placeholder 2"/>
           <p:cNvSpPr>
             <a:spLocks noGrp="1"/>
           </p:cNvSpPr>
@@ -4792,19 +4792,316 @@
             <p:ph idx="1"/>
           </p:nvPr>
         </p:nvSpPr>
-        <p:spPr/>
-        <p:txBody>
-          <a:bodyPr/>
-          <a:lstStyle/>
-          <a:p>
-            <a:pPr marL="0" indent="0" algn="ctr">
+        <p:spPr>
+          <a:xfrm>
+            <a:off x="457200" y="1219200"/>
+            <a:ext cx="8229600" cy="4525963"/>
+          </a:xfrm>
+        </p:spPr>
+        <p:txBody>
+          <a:bodyPr/>
+          <a:lstStyle/>
+          <a:p>
+            <a:pPr marL="0" indent="0">
               <a:buNone/>
             </a:pPr>
             <a:r>
-              <a:rPr lang="pt-PT" sz="19900" dirty="0" smtClean="0"/>
-              <a:t>HOW?</a:t>
-            </a:r>
-            <a:endParaRPr lang="pt-PT" sz="19900" dirty="0"/>
+              <a:rPr lang="pt-PT" sz="2800" b="1" dirty="0" err="1" smtClean="0"/>
+              <a:t>How</a:t>
+            </a:r>
+            <a:r>
+              <a:rPr lang="pt-PT" sz="2800" b="1" dirty="0"/>
+              <a:t>:</a:t>
+            </a:r>
+            <a:endParaRPr lang="pt-PT" sz="2800" b="1" dirty="0" smtClean="0"/>
+          </a:p>
+          <a:p>
+            <a:r>
+              <a:rPr lang="pt-PT" sz="2800" dirty="0" smtClean="0"/>
+              <a:t>In </a:t>
+            </a:r>
+            <a:r>
+              <a:rPr lang="pt-PT" sz="2800" dirty="0" err="1" smtClean="0"/>
+              <a:t>the</a:t>
+            </a:r>
+            <a:r>
+              <a:rPr lang="pt-PT" sz="2800" dirty="0" smtClean="0"/>
+              <a:t> </a:t>
+            </a:r>
+            <a:r>
+              <a:rPr lang="pt-PT" sz="2800" dirty="0" err="1" smtClean="0"/>
+              <a:t>msbuild</a:t>
+            </a:r>
+            <a:r>
+              <a:rPr lang="pt-PT" sz="2800" dirty="0" smtClean="0"/>
+              <a:t> </a:t>
+            </a:r>
+            <a:r>
+              <a:rPr lang="pt-PT" sz="2800" dirty="0" err="1" smtClean="0"/>
+              <a:t>command</a:t>
+            </a:r>
+            <a:r>
+              <a:rPr lang="pt-PT" sz="2800" dirty="0" smtClean="0"/>
+              <a:t> </a:t>
+            </a:r>
+            <a:r>
+              <a:rPr lang="pt-PT" sz="2800" dirty="0" err="1" smtClean="0"/>
+              <a:t>add</a:t>
+            </a:r>
+            <a:r>
+              <a:rPr lang="pt-PT" sz="2800" dirty="0" smtClean="0"/>
+              <a:t> </a:t>
+            </a:r>
+            <a:r>
+              <a:rPr lang="pt-PT" sz="2800" dirty="0" err="1" smtClean="0"/>
+              <a:t>the</a:t>
+            </a:r>
+            <a:r>
+              <a:rPr lang="pt-PT" sz="2800" dirty="0" smtClean="0"/>
+              <a:t> </a:t>
+            </a:r>
+            <a:r>
+              <a:rPr lang="pt-PT" sz="2800" dirty="0" err="1" smtClean="0"/>
+              <a:t>following</a:t>
+            </a:r>
+            <a:r>
+              <a:rPr lang="pt-PT" sz="2800" dirty="0" smtClean="0"/>
+              <a:t> </a:t>
+            </a:r>
+            <a:r>
+              <a:rPr lang="pt-PT" sz="2800" dirty="0" err="1" smtClean="0"/>
+              <a:t>property</a:t>
+            </a:r>
+            <a:r>
+              <a:rPr lang="pt-PT" sz="2800" dirty="0" smtClean="0"/>
+              <a:t>: “</a:t>
+            </a:r>
+            <a:r>
+              <a:rPr lang="pt-PT" sz="2000" i="1" dirty="0" smtClean="0"/>
+              <a:t>/</a:t>
+            </a:r>
+            <a:r>
+              <a:rPr lang="pt-PT" sz="2000" i="1" dirty="0" err="1" smtClean="0"/>
+              <a:t>p:RunCodeAnalysis</a:t>
+            </a:r>
+            <a:r>
+              <a:rPr lang="pt-PT" sz="2000" i="1" dirty="0" smtClean="0"/>
+              <a:t>=</a:t>
+            </a:r>
+            <a:r>
+              <a:rPr lang="pt-PT" sz="2000" i="1" dirty="0" err="1" smtClean="0"/>
+              <a:t>true;CodeAnalysisRuleSet</a:t>
+            </a:r>
+            <a:r>
+              <a:rPr lang="pt-PT" sz="2000" i="1" dirty="0" smtClean="0"/>
+              <a:t>=&lt;</a:t>
+            </a:r>
+            <a:r>
+              <a:rPr lang="pt-PT" sz="2000" i="1" dirty="0" err="1" smtClean="0"/>
+              <a:t>ruleset-name</a:t>
+            </a:r>
+            <a:r>
+              <a:rPr lang="pt-PT" sz="2000" i="1" dirty="0" smtClean="0"/>
+              <a:t>&gt;.</a:t>
+            </a:r>
+            <a:r>
+              <a:rPr lang="pt-PT" sz="2000" i="1" dirty="0" err="1" smtClean="0"/>
+              <a:t>ruleset</a:t>
+            </a:r>
+            <a:r>
+              <a:rPr lang="pt-PT" sz="2000" i="1" dirty="0" smtClean="0"/>
+              <a:t>”</a:t>
+            </a:r>
+          </a:p>
+          <a:p>
+            <a:endParaRPr lang="pt-PT" sz="2000" i="1" dirty="0"/>
+          </a:p>
+          <a:p>
+            <a:pPr marL="0" indent="0">
+              <a:buNone/>
+            </a:pPr>
+            <a:r>
+              <a:rPr lang="pt-PT" sz="2800" b="1" dirty="0" smtClean="0"/>
+              <a:t>Pros:</a:t>
+            </a:r>
+          </a:p>
+          <a:p>
+            <a:r>
+              <a:rPr lang="pt-PT" sz="2800" dirty="0" err="1" smtClean="0"/>
+              <a:t>Discover</a:t>
+            </a:r>
+            <a:r>
+              <a:rPr lang="pt-PT" sz="2800" dirty="0" smtClean="0"/>
+              <a:t> rule </a:t>
+            </a:r>
+            <a:r>
+              <a:rPr lang="pt-PT" sz="2800" dirty="0" err="1" smtClean="0"/>
+              <a:t>breaking</a:t>
+            </a:r>
+            <a:r>
+              <a:rPr lang="pt-PT" sz="2800" dirty="0" smtClean="0"/>
+              <a:t> in </a:t>
+            </a:r>
+            <a:r>
+              <a:rPr lang="pt-PT" sz="2800" dirty="0" err="1" smtClean="0"/>
+              <a:t>projects</a:t>
+            </a:r>
+            <a:r>
+              <a:rPr lang="pt-PT" sz="2800" dirty="0" smtClean="0"/>
+              <a:t> </a:t>
+            </a:r>
+            <a:r>
+              <a:rPr lang="pt-PT" sz="2800" dirty="0" err="1" smtClean="0"/>
+              <a:t>without</a:t>
+            </a:r>
+            <a:r>
+              <a:rPr lang="pt-PT" sz="2800" dirty="0" smtClean="0"/>
+              <a:t> </a:t>
+            </a:r>
+            <a:r>
+              <a:rPr lang="pt-PT" sz="2800" dirty="0" err="1" smtClean="0"/>
+              <a:t>using</a:t>
+            </a:r>
+            <a:r>
+              <a:rPr lang="pt-PT" sz="2800" dirty="0" smtClean="0"/>
+              <a:t> visual </a:t>
+            </a:r>
+            <a:r>
+              <a:rPr lang="pt-PT" sz="2800" dirty="0" err="1" smtClean="0"/>
+              <a:t>studio</a:t>
+            </a:r>
+            <a:r>
+              <a:rPr lang="pt-PT" sz="2800" dirty="0" smtClean="0"/>
+              <a:t>.</a:t>
+            </a:r>
+          </a:p>
+          <a:p>
+            <a:endParaRPr lang="pt-PT" sz="2800" dirty="0" smtClean="0"/>
+          </a:p>
+          <a:p>
+            <a:pPr marL="0" indent="0">
+              <a:buNone/>
+            </a:pPr>
+            <a:r>
+              <a:rPr lang="pt-PT" sz="2800" b="1" dirty="0" err="1" smtClean="0"/>
+              <a:t>Cons</a:t>
+            </a:r>
+            <a:r>
+              <a:rPr lang="pt-PT" sz="2800" b="1" dirty="0" smtClean="0"/>
+              <a:t>:</a:t>
+            </a:r>
+          </a:p>
+          <a:p>
+            <a:r>
+              <a:rPr lang="pt-PT" sz="2800" dirty="0" err="1" smtClean="0"/>
+              <a:t>The</a:t>
+            </a:r>
+            <a:r>
+              <a:rPr lang="pt-PT" sz="2800" dirty="0" smtClean="0"/>
+              <a:t> (</a:t>
+            </a:r>
+            <a:r>
+              <a:rPr lang="pt-PT" sz="2800" dirty="0" err="1" smtClean="0"/>
+              <a:t>ruleset+library</a:t>
+            </a:r>
+            <a:r>
+              <a:rPr lang="pt-PT" sz="2800" dirty="0" smtClean="0"/>
+              <a:t>) must </a:t>
+            </a:r>
+            <a:r>
+              <a:rPr lang="pt-PT" sz="2800" dirty="0" err="1" smtClean="0"/>
+              <a:t>exist</a:t>
+            </a:r>
+            <a:r>
+              <a:rPr lang="pt-PT" sz="2800" dirty="0" smtClean="0"/>
+              <a:t> in </a:t>
+            </a:r>
+            <a:r>
+              <a:rPr lang="pt-PT" sz="2800" dirty="0" err="1" smtClean="0"/>
+              <a:t>every</a:t>
+            </a:r>
+            <a:r>
+              <a:rPr lang="pt-PT" sz="2800" dirty="0" smtClean="0"/>
+              <a:t> </a:t>
+            </a:r>
+            <a:r>
+              <a:rPr lang="pt-PT" sz="2800" dirty="0" err="1" smtClean="0"/>
+              <a:t>project</a:t>
+            </a:r>
+            <a:r>
+              <a:rPr lang="pt-PT" sz="2800" dirty="0" smtClean="0"/>
+              <a:t>, </a:t>
+            </a:r>
+            <a:r>
+              <a:rPr lang="pt-PT" sz="2800" dirty="0" err="1" smtClean="0"/>
+              <a:t>if</a:t>
+            </a:r>
+            <a:r>
+              <a:rPr lang="pt-PT" sz="2800" dirty="0" smtClean="0"/>
+              <a:t> </a:t>
+            </a:r>
+            <a:r>
+              <a:rPr lang="pt-PT" sz="2800" dirty="0" err="1" smtClean="0"/>
+              <a:t>the</a:t>
+            </a:r>
+            <a:r>
+              <a:rPr lang="pt-PT" sz="2800" dirty="0" smtClean="0"/>
+              <a:t> </a:t>
+            </a:r>
+            <a:r>
+              <a:rPr lang="pt-PT" sz="2800" dirty="0" err="1" smtClean="0"/>
+              <a:t>msbuild</a:t>
+            </a:r>
+            <a:r>
+              <a:rPr lang="pt-PT" sz="2800" dirty="0" smtClean="0"/>
+              <a:t> </a:t>
+            </a:r>
+            <a:r>
+              <a:rPr lang="pt-PT" sz="2800" dirty="0" err="1" smtClean="0"/>
+              <a:t>is</a:t>
+            </a:r>
+            <a:r>
+              <a:rPr lang="pt-PT" sz="2800" dirty="0" smtClean="0"/>
+              <a:t> </a:t>
+            </a:r>
+            <a:r>
+              <a:rPr lang="pt-PT" sz="2800" dirty="0" err="1" smtClean="0"/>
+              <a:t>used</a:t>
+            </a:r>
+            <a:r>
+              <a:rPr lang="pt-PT" sz="2800" dirty="0" smtClean="0"/>
+              <a:t> to </a:t>
+            </a:r>
+            <a:r>
+              <a:rPr lang="pt-PT" sz="2800" dirty="0" err="1" smtClean="0"/>
+              <a:t>build</a:t>
+            </a:r>
+            <a:r>
+              <a:rPr lang="pt-PT" sz="2800" dirty="0" smtClean="0"/>
+              <a:t> a </a:t>
+            </a:r>
+            <a:r>
+              <a:rPr lang="pt-PT" sz="2800" dirty="0" err="1" smtClean="0"/>
+              <a:t>whole</a:t>
+            </a:r>
+            <a:r>
+              <a:rPr lang="pt-PT" sz="2800" dirty="0" smtClean="0"/>
+              <a:t> </a:t>
+            </a:r>
+            <a:r>
+              <a:rPr lang="pt-PT" sz="2800" dirty="0" err="1" smtClean="0"/>
+              <a:t>solution</a:t>
+            </a:r>
+            <a:r>
+              <a:rPr lang="pt-PT" sz="2800" dirty="0" smtClean="0"/>
+              <a:t>. </a:t>
+            </a:r>
+          </a:p>
+          <a:p>
+            <a:endParaRPr lang="pt-PT" sz="2000" i="1" dirty="0"/>
+          </a:p>
+          <a:p>
+            <a:endParaRPr lang="pt-PT" sz="2000" i="1" dirty="0"/>
           </a:p>
         </p:txBody>
       </p:sp>
